--- a/courses/theory/2022-spring/slides/lec19-hoare.pptx
+++ b/courses/theory/2022-spring/slides/lec19-hoare.pptx
@@ -8308,7 +8308,7 @@
               <a:rPr kumimoji="1" lang="en-US" altLang="zh-CN" sz="2800" dirty="0">
                 <a:ea typeface="Cambria Math" panose="02040503050406030204" pitchFamily="18" charset="0"/>
               </a:rPr>
-              <a:t>we</a:t>
+              <a:t>can</a:t>
             </a:r>
             <a:r>
               <a:rPr kumimoji="1" lang="zh-CN" altLang="en-US" sz="2800" dirty="0">
@@ -8320,7 +8320,7 @@
               <a:rPr kumimoji="1" lang="en-US" altLang="zh-CN" sz="2800" dirty="0">
                 <a:ea typeface="Cambria Math" panose="02040503050406030204" pitchFamily="18" charset="0"/>
               </a:rPr>
-              <a:t>can</a:t>
+              <a:t>we</a:t>
             </a:r>
             <a:r>
               <a:rPr kumimoji="1" lang="zh-CN" altLang="en-US" sz="2800" dirty="0">
@@ -8357,6 +8357,21 @@
                 <a:ea typeface="Cambria Math" panose="02040503050406030204" pitchFamily="18" charset="0"/>
               </a:rPr>
               <a:t>proposition</a:t>
+            </a:r>
+            <a:r>
+              <a:rPr kumimoji="1" lang="zh-CN" altLang="en-US" sz="2800" dirty="0">
+                <a:ea typeface="Cambria Math" panose="02040503050406030204" pitchFamily="18" charset="0"/>
+              </a:rPr>
+              <a:t> </a:t>
+            </a:r>
+            <a:r>
+              <a:rPr kumimoji="1" lang="en-US" altLang="zh-CN" sz="2800" i="1" dirty="0">
+                <a:solidFill>
+                  <a:srgbClr val="0432FF"/>
+                </a:solidFill>
+                <a:ea typeface="Cambria Math" panose="02040503050406030204" pitchFamily="18" charset="0"/>
+              </a:rPr>
+              <a:t>P</a:t>
             </a:r>
             <a:r>
               <a:rPr kumimoji="1" lang="zh-CN" altLang="en-US" sz="2800" dirty="0">
@@ -10199,7 +10214,7 @@
                   <a:t>store, </a:t>
                 </a:r>
                 <a:r>
-                  <a:rPr kumimoji="1" lang="en-US" altLang="zh-CN" dirty="0">
+                  <a:rPr kumimoji="1" lang="en-US" altLang="zh-CN" i="1" dirty="0">
                     <a:solidFill>
                       <a:srgbClr val="0432FF"/>
                     </a:solidFill>
@@ -10311,7 +10326,7 @@
               <a:blipFill>
                 <a:blip r:embed="rId2"/>
                 <a:stretch>
-                  <a:fillRect l="-489" t="-1846" b="-2462"/>
+                  <a:fillRect l="-653" t="-1846" b="-2769"/>
                 </a:stretch>
               </a:blipFill>
             </p:spPr>
@@ -12068,8 +12083,8 @@
           </a:p>
         </p:txBody>
       </p:sp>
-      <mc:AlternateContent xmlns:mc="http://schemas.openxmlformats.org/markup-compatibility/2006">
-        <mc:Choice xmlns:a14="http://schemas.microsoft.com/office/drawing/2010/main" Requires="a14">
+      <mc:AlternateContent xmlns:mc="http://schemas.openxmlformats.org/markup-compatibility/2006" xmlns:a14="http://schemas.microsoft.com/office/drawing/2010/main">
+        <mc:Choice Requires="a14">
           <p:sp>
             <p:nvSpPr>
               <p:cNvPr id="3" name="内容占位符 2">
@@ -12877,7 +12892,7 @@
             </p:txBody>
           </p:sp>
         </mc:Choice>
-        <mc:Fallback>
+        <mc:Fallback xmlns="">
           <p:sp>
             <p:nvSpPr>
               <p:cNvPr id="3" name="内容占位符 2">
@@ -12984,8 +12999,8 @@
           </a:p>
         </p:txBody>
       </p:sp>
-      <mc:AlternateContent xmlns:mc="http://schemas.openxmlformats.org/markup-compatibility/2006">
-        <mc:Choice xmlns:a14="http://schemas.microsoft.com/office/drawing/2010/main" Requires="a14">
+      <mc:AlternateContent xmlns:mc="http://schemas.openxmlformats.org/markup-compatibility/2006" xmlns:a14="http://schemas.microsoft.com/office/drawing/2010/main">
+        <mc:Choice Requires="a14">
           <p:sp>
             <p:nvSpPr>
               <p:cNvPr id="3" name="内容占位符 2">
@@ -13853,7 +13868,7 @@
             </p:txBody>
           </p:sp>
         </mc:Choice>
-        <mc:Fallback>
+        <mc:Fallback xmlns="">
           <p:sp>
             <p:nvSpPr>
               <p:cNvPr id="3" name="内容占位符 2">
@@ -14306,8 +14321,8 @@
           </a:p>
         </p:txBody>
       </p:sp>
-      <mc:AlternateContent xmlns:mc="http://schemas.openxmlformats.org/markup-compatibility/2006">
-        <mc:Choice xmlns:a14="http://schemas.microsoft.com/office/drawing/2010/main" Requires="a14">
+      <mc:AlternateContent xmlns:mc="http://schemas.openxmlformats.org/markup-compatibility/2006" xmlns:a14="http://schemas.microsoft.com/office/drawing/2010/main">
+        <mc:Choice Requires="a14">
           <p:sp>
             <p:nvSpPr>
               <p:cNvPr id="3" name="内容占位符 2">
@@ -14791,7 +14806,7 @@
             </p:txBody>
           </p:sp>
         </mc:Choice>
-        <mc:Fallback>
+        <mc:Fallback xmlns="">
           <p:sp>
             <p:nvSpPr>
               <p:cNvPr id="3" name="内容占位符 2">
@@ -16066,13 +16081,21 @@
                     </m:r>
                   </m:oMath>
                 </a14:m>
+                <a:endParaRPr kumimoji="1" lang="en-US" altLang="zh-CN" dirty="0"/>
+              </a:p>
+              <a:p>
+                <a:pPr lvl="1"/>
+                <a:r>
+                  <a:rPr kumimoji="1" lang="en-US" altLang="zh-CN" dirty="0"/>
+                  <a:t>also</a:t>
+                </a:r>
                 <a:r>
                   <a:rPr kumimoji="1" lang="zh-CN" altLang="en-US" dirty="0"/>
                   <a:t> </a:t>
                 </a:r>
                 <a:r>
                   <a:rPr kumimoji="1" lang="en-US" altLang="zh-CN" dirty="0"/>
-                  <a:t>(also</a:t>
+                  <a:t>called</a:t>
                 </a:r>
                 <a:r>
                   <a:rPr kumimoji="1" lang="zh-CN" altLang="en-US" dirty="0"/>
@@ -16080,7 +16103,14 @@
                 </a:r>
                 <a:r>
                   <a:rPr kumimoji="1" lang="en-US" altLang="zh-CN" dirty="0"/>
-                  <a:t>called</a:t>
+                  <a:t>syntax-directed</a:t>
+                </a:r>
+              </a:p>
+              <a:p>
+                <a:pPr lvl="1"/>
+                <a:r>
+                  <a:rPr kumimoji="1" lang="en-US" altLang="zh-CN" dirty="0"/>
+                  <a:t>That</a:t>
                 </a:r>
                 <a:r>
                   <a:rPr kumimoji="1" lang="zh-CN" altLang="en-US" dirty="0"/>
@@ -16088,40 +16118,7 @@
                 </a:r>
                 <a:r>
                   <a:rPr kumimoji="1" lang="en-US" altLang="zh-CN" dirty="0"/>
-                  <a:t>syntax-directed)</a:t>
-                </a:r>
-              </a:p>
-              <a:p>
-                <a:pPr marL="0" indent="0">
-                  <a:buNone/>
-                </a:pPr>
-                <a:r>
-                  <a:rPr kumimoji="1" lang="en-US" altLang="zh-CN" dirty="0"/>
-                  <a:t>That</a:t>
-                </a:r>
-                <a:r>
-                  <a:rPr kumimoji="1" lang="zh-CN" altLang="en-US" dirty="0"/>
-                  <a:t> </a:t>
-                </a:r>
-                <a:r>
-                  <a:rPr kumimoji="1" lang="en-US" altLang="zh-CN" dirty="0"/>
                   <a:t>is,</a:t>
-                </a:r>
-                <a:r>
-                  <a:rPr kumimoji="1" lang="zh-CN" altLang="en-US" dirty="0"/>
-                  <a:t> </a:t>
-                </a:r>
-                <a:r>
-                  <a:rPr kumimoji="1" lang="en-US" altLang="zh-CN" dirty="0"/>
-                  <a:t>there</a:t>
-                </a:r>
-                <a:r>
-                  <a:rPr kumimoji="1" lang="zh-CN" altLang="en-US" dirty="0"/>
-                  <a:t> </a:t>
-                </a:r>
-                <a:r>
-                  <a:rPr kumimoji="1" lang="en-US" altLang="zh-CN" dirty="0"/>
-                  <a:t>is</a:t>
                 </a:r>
                 <a:r>
                   <a:rPr kumimoji="1" lang="zh-CN" altLang="en-US" dirty="0"/>
@@ -16177,10 +16174,7 @@
                     </m:r>
                   </m:oMath>
                 </a14:m>
-                <a:r>
-                  <a:rPr kumimoji="1" lang="en-US" altLang="zh-CN" dirty="0"/>
-                  <a:t>.</a:t>
-                </a:r>
+                <a:endParaRPr kumimoji="1" lang="en-US" altLang="zh-CN" dirty="0"/>
               </a:p>
               <a:p>
                 <a:endParaRPr kumimoji="1" lang="zh-CN" altLang="en-US" dirty="0"/>
@@ -16209,7 +16203,7 @@
               <a:blipFill>
                 <a:blip r:embed="rId2"/>
                 <a:stretch>
-                  <a:fillRect l="-1794" t="-2462"/>
+                  <a:fillRect l="-1958" t="-2462"/>
                 </a:stretch>
               </a:blipFill>
             </p:spPr>
@@ -16410,7 +16404,7 @@
                           <a:latin typeface="Cambria Math" panose="02040503050406030204" pitchFamily="18" charset="0"/>
                           <a:ea typeface="Cambria Math" panose="02040503050406030204" pitchFamily="18" charset="0"/>
                         </a:rPr>
-                        <m:t>𝑝𝑎𝑠𝑠</m:t>
+                        <m:t>𝑠𝑘𝑖𝑝</m:t>
                       </m:r>
                       <m:r>
                         <a:rPr kumimoji="1" lang="en-US" altLang="zh-CN" sz="2400" b="0" i="1" smtClean="0">
@@ -16480,7 +16474,7 @@
               <a:blipFill>
                 <a:blip r:embed="rId2"/>
                 <a:stretch>
-                  <a:fillRect b="-18919"/>
+                  <a:fillRect b="-18421"/>
                 </a:stretch>
               </a:blipFill>
             </p:spPr>
@@ -16808,7 +16802,7 @@
                           <a:latin typeface="Cambria Math" panose="02040503050406030204" pitchFamily="18" charset="0"/>
                           <a:ea typeface="Cambria Math" panose="02040503050406030204" pitchFamily="18" charset="0"/>
                         </a:rPr>
-                        <m:t>𝑝𝑎𝑠𝑠</m:t>
+                        <m:t>𝑠𝑘𝑖𝑝</m:t>
                       </m:r>
                     </m:oMath>
                   </m:oMathPara>
@@ -16895,7 +16889,7 @@
               <a:blipFill>
                 <a:blip r:embed="rId4"/>
                 <a:stretch>
-                  <a:fillRect l="-1323" t="-2186" b="-2732"/>
+                  <a:fillRect l="-1323" t="-2747" b="-3297"/>
                 </a:stretch>
               </a:blipFill>
             </p:spPr>
@@ -18870,8 +18864,8 @@
           </p:sp>
         </mc:Fallback>
       </mc:AlternateContent>
-      <mc:AlternateContent xmlns:mc="http://schemas.openxmlformats.org/markup-compatibility/2006">
-        <mc:Choice xmlns:a14="http://schemas.microsoft.com/office/drawing/2010/main" Requires="a14">
+      <mc:AlternateContent xmlns:mc="http://schemas.openxmlformats.org/markup-compatibility/2006" xmlns:a14="http://schemas.microsoft.com/office/drawing/2010/main">
+        <mc:Choice Requires="a14">
           <p:sp>
             <p:nvSpPr>
               <p:cNvPr id="27" name="文本框 26">
@@ -19258,7 +19252,7 @@
             </p:txBody>
           </p:sp>
         </mc:Choice>
-        <mc:Fallback>
+        <mc:Fallback xmlns="">
           <p:sp>
             <p:nvSpPr>
               <p:cNvPr id="27" name="文本框 26">
@@ -19413,8 +19407,8 @@
           </a:fontRef>
         </p:style>
       </p:cxnSp>
-      <mc:AlternateContent xmlns:mc="http://schemas.openxmlformats.org/markup-compatibility/2006" xmlns:a14="http://schemas.microsoft.com/office/drawing/2010/main">
-        <mc:Choice Requires="a14">
+      <mc:AlternateContent xmlns:mc="http://schemas.openxmlformats.org/markup-compatibility/2006">
+        <mc:Choice xmlns:a14="http://schemas.microsoft.com/office/drawing/2010/main" Requires="a14">
           <p:sp>
             <p:nvSpPr>
               <p:cNvPr id="22" name="文本框 21">
@@ -19493,7 +19487,7 @@
                               <a:latin typeface="Cambria Math" panose="02040503050406030204" pitchFamily="18" charset="0"/>
                               <a:ea typeface="Cambria Math" panose="02040503050406030204" pitchFamily="18" charset="0"/>
                             </a:rPr>
-                            <m:t>𝐸</m:t>
+                            <m:t>𝐵</m:t>
                           </m:r>
                           <m:r>
                             <a:rPr kumimoji="1" lang="en-US" altLang="zh-CN" sz="2400" b="0" i="1" smtClean="0">
@@ -19561,7 +19555,7 @@
             </p:txBody>
           </p:sp>
         </mc:Choice>
-        <mc:Fallback xmlns="">
+        <mc:Fallback>
           <p:sp>
             <p:nvSpPr>
               <p:cNvPr id="22" name="文本框 21">
@@ -19587,7 +19581,7 @@
               <a:blipFill>
                 <a:blip r:embed="rId2"/>
                 <a:stretch>
-                  <a:fillRect b="-18919"/>
+                  <a:fillRect b="-18421"/>
                 </a:stretch>
               </a:blipFill>
             </p:spPr>
@@ -19731,8 +19725,8 @@
           </p:sp>
         </mc:Fallback>
       </mc:AlternateContent>
-      <mc:AlternateContent xmlns:mc="http://schemas.openxmlformats.org/markup-compatibility/2006" xmlns:a14="http://schemas.microsoft.com/office/drawing/2010/main">
-        <mc:Choice Requires="a14">
+      <mc:AlternateContent xmlns:mc="http://schemas.openxmlformats.org/markup-compatibility/2006">
+        <mc:Choice xmlns:a14="http://schemas.microsoft.com/office/drawing/2010/main" Requires="a14">
           <p:sp>
             <p:nvSpPr>
               <p:cNvPr id="24" name="文本框 23">
@@ -19799,7 +19793,7 @@
                               <a:latin typeface="Cambria Math" panose="02040503050406030204" pitchFamily="18" charset="0"/>
                               <a:ea typeface="Cambria Math" panose="02040503050406030204" pitchFamily="18" charset="0"/>
                             </a:rPr>
-                            <m:t>𝐸</m:t>
+                            <m:t>𝐵</m:t>
                           </m:r>
                         </m:e>
                       </m:d>
@@ -19839,7 +19833,7 @@
             </p:txBody>
           </p:sp>
         </mc:Choice>
-        <mc:Fallback xmlns="">
+        <mc:Fallback>
           <p:sp>
             <p:nvSpPr>
               <p:cNvPr id="24" name="文本框 23">
@@ -19865,7 +19859,7 @@
               <a:blipFill>
                 <a:blip r:embed="rId4"/>
                 <a:stretch>
-                  <a:fillRect b="-18919"/>
+                  <a:fillRect b="-18421"/>
                 </a:stretch>
               </a:blipFill>
             </p:spPr>
@@ -19952,7 +19946,7 @@
                               <a:latin typeface="Cambria Math" panose="02040503050406030204" pitchFamily="18" charset="0"/>
                               <a:ea typeface="Cambria Math" panose="02040503050406030204" pitchFamily="18" charset="0"/>
                             </a:rPr>
-                            <m:t>𝐸</m:t>
+                            <m:t>𝐵</m:t>
                           </m:r>
                         </m:e>
                       </m:d>
@@ -20018,7 +20012,7 @@
               <a:blipFill>
                 <a:blip r:embed="rId5"/>
                 <a:stretch>
-                  <a:fillRect r="-1156" b="-18919"/>
+                  <a:fillRect r="-1744" b="-18919"/>
                 </a:stretch>
               </a:blipFill>
             </p:spPr>
@@ -20037,8 +20031,8 @@
           </p:sp>
         </mc:Fallback>
       </mc:AlternateContent>
-      <mc:AlternateContent xmlns:mc="http://schemas.openxmlformats.org/markup-compatibility/2006">
-        <mc:Choice xmlns:a14="http://schemas.microsoft.com/office/drawing/2010/main" Requires="a14">
+      <mc:AlternateContent xmlns:mc="http://schemas.openxmlformats.org/markup-compatibility/2006" xmlns:a14="http://schemas.microsoft.com/office/drawing/2010/main">
+        <mc:Choice Requires="a14">
           <p:sp>
             <p:nvSpPr>
               <p:cNvPr id="27" name="文本框 26">
@@ -20567,7 +20561,7 @@
             </p:txBody>
           </p:sp>
         </mc:Choice>
-        <mc:Fallback>
+        <mc:Fallback xmlns="">
           <p:sp>
             <p:nvSpPr>
               <p:cNvPr id="27" name="文本框 26">
@@ -20679,8 +20673,8 @@
           </a:p>
         </p:txBody>
       </p:sp>
-      <mc:AlternateContent xmlns:mc="http://schemas.openxmlformats.org/markup-compatibility/2006">
-        <mc:Choice xmlns:a14="http://schemas.microsoft.com/office/drawing/2010/main" Requires="a14">
+      <mc:AlternateContent xmlns:mc="http://schemas.openxmlformats.org/markup-compatibility/2006" xmlns:a14="http://schemas.microsoft.com/office/drawing/2010/main">
+        <mc:Choice Requires="a14">
           <p:sp>
             <p:nvSpPr>
               <p:cNvPr id="27" name="文本框 26">
@@ -21184,7 +21178,7 @@
             </p:txBody>
           </p:sp>
         </mc:Choice>
-        <mc:Fallback>
+        <mc:Fallback xmlns="">
           <p:sp>
             <p:nvSpPr>
               <p:cNvPr id="27" name="文本框 26">
@@ -21364,7 +21358,7 @@
                           <a:latin typeface="Cambria Math" panose="02040503050406030204" pitchFamily="18" charset="0"/>
                           <a:ea typeface="Cambria Math" panose="02040503050406030204" pitchFamily="18" charset="0"/>
                         </a:rPr>
-                        <m:t>𝐸</m:t>
+                        <m:t>𝐵</m:t>
                       </m:r>
                       <m:r>
                         <a:rPr kumimoji="1" lang="en-US" altLang="zh-CN" sz="2400" b="0" i="1" smtClean="0">
@@ -21411,21 +21405,14 @@
                           <a:latin typeface="Cambria Math" panose="02040503050406030204" pitchFamily="18" charset="0"/>
                           <a:ea typeface="Cambria Math" panose="02040503050406030204" pitchFamily="18" charset="0"/>
                         </a:rPr>
-                        <m:t>∧</m:t>
-                      </m:r>
-                      <m:r>
-                        <a:rPr kumimoji="1" lang="en-US" altLang="zh-CN" sz="2400" i="1">
-                          <a:latin typeface="Cambria Math" panose="02040503050406030204" pitchFamily="18" charset="0"/>
-                          <a:ea typeface="Cambria Math" panose="02040503050406030204" pitchFamily="18" charset="0"/>
-                        </a:rPr>
-                        <m:t>¬</m:t>
+                        <m:t>∧¬</m:t>
                       </m:r>
                       <m:r>
                         <a:rPr kumimoji="1" lang="en-US" altLang="zh-CN" sz="2400" b="0" i="1" smtClean="0">
                           <a:latin typeface="Cambria Math" panose="02040503050406030204" pitchFamily="18" charset="0"/>
                           <a:ea typeface="Cambria Math" panose="02040503050406030204" pitchFamily="18" charset="0"/>
                         </a:rPr>
-                        <m:t>𝐸</m:t>
+                        <m:t>𝐵</m:t>
                       </m:r>
                       <m:r>
                         <a:rPr kumimoji="1" lang="en-US" altLang="zh-CN" sz="2400" b="0" i="1" smtClean="0">
@@ -21475,7 +21462,7 @@
               <a:blipFill>
                 <a:blip r:embed="rId3"/>
                 <a:stretch>
-                  <a:fillRect b="-18919"/>
+                  <a:fillRect b="-18421"/>
                 </a:stretch>
               </a:blipFill>
             </p:spPr>
@@ -21619,8 +21606,8 @@
           </p:sp>
         </mc:Fallback>
       </mc:AlternateContent>
-      <mc:AlternateContent xmlns:mc="http://schemas.openxmlformats.org/markup-compatibility/2006" xmlns:a14="http://schemas.microsoft.com/office/drawing/2010/main">
-        <mc:Choice Requires="a14">
+      <mc:AlternateContent xmlns:mc="http://schemas.openxmlformats.org/markup-compatibility/2006">
+        <mc:Choice xmlns:a14="http://schemas.microsoft.com/office/drawing/2010/main" Requires="a14">
           <p:sp>
             <p:nvSpPr>
               <p:cNvPr id="12" name="文本框 11">
@@ -21687,7 +21674,7 @@
                               <a:latin typeface="Cambria Math" panose="02040503050406030204" pitchFamily="18" charset="0"/>
                               <a:ea typeface="Cambria Math" panose="02040503050406030204" pitchFamily="18" charset="0"/>
                             </a:rPr>
-                            <m:t>𝐸</m:t>
+                            <m:t>𝐵</m:t>
                           </m:r>
                         </m:e>
                       </m:d>
@@ -21727,7 +21714,7 @@
             </p:txBody>
           </p:sp>
         </mc:Choice>
-        <mc:Fallback xmlns="">
+        <mc:Fallback>
           <p:sp>
             <p:nvSpPr>
               <p:cNvPr id="12" name="文本框 11">
@@ -21753,7 +21740,7 @@
               <a:blipFill>
                 <a:blip r:embed="rId9"/>
                 <a:stretch>
-                  <a:fillRect b="-19444"/>
+                  <a:fillRect b="-18919"/>
                 </a:stretch>
               </a:blipFill>
             </p:spPr>
@@ -23191,7 +23178,43 @@
           <a:p>
             <a:r>
               <a:rPr kumimoji="1" lang="en-US" altLang="zh-CN" dirty="0"/>
-              <a:t>We talk about </a:t>
+              <a:t>This</a:t>
+            </a:r>
+            <a:r>
+              <a:rPr kumimoji="1" lang="zh-CN" altLang="en-US" dirty="0"/>
+              <a:t> </a:t>
+            </a:r>
+            <a:r>
+              <a:rPr kumimoji="1" lang="en-US" altLang="zh-CN" dirty="0"/>
+              <a:t>lecture’s</a:t>
+            </a:r>
+            <a:r>
+              <a:rPr kumimoji="1" lang="zh-CN" altLang="en-US" dirty="0"/>
+              <a:t> </a:t>
+            </a:r>
+            <a:r>
+              <a:rPr kumimoji="1" lang="en-US" altLang="zh-CN" dirty="0"/>
+              <a:t>topic</a:t>
+            </a:r>
+            <a:r>
+              <a:rPr kumimoji="1" lang="zh-CN" altLang="en-US" dirty="0"/>
+              <a:t> </a:t>
+            </a:r>
+            <a:r>
+              <a:rPr kumimoji="1" lang="en-US" altLang="zh-CN" dirty="0"/>
+              <a:t>is</a:t>
+            </a:r>
+            <a:r>
+              <a:rPr kumimoji="1" lang="zh-CN" altLang="en-US" dirty="0"/>
+              <a:t> </a:t>
+            </a:r>
+            <a:r>
+              <a:rPr kumimoji="1" lang="en-US" altLang="zh-CN" dirty="0"/>
+              <a:t>about</a:t>
+            </a:r>
+            <a:r>
+              <a:rPr kumimoji="1" lang="zh-CN" altLang="en-US" dirty="0"/>
+              <a:t> </a:t>
             </a:r>
             <a:r>
               <a:rPr kumimoji="1" lang="en-US" altLang="zh-CN" dirty="0">
@@ -23199,12 +23222,9 @@
                   <a:srgbClr val="0432FF"/>
                 </a:solidFill>
               </a:rPr>
-              <a:t>program correctness </a:t>
-            </a:r>
-            <a:r>
-              <a:rPr kumimoji="1" lang="en-US" altLang="zh-CN" dirty="0"/>
-              <a:t>in this lecture</a:t>
-            </a:r>
+              <a:t>program correctness</a:t>
+            </a:r>
+            <a:endParaRPr kumimoji="1" lang="en-US" altLang="zh-CN" dirty="0"/>
           </a:p>
           <a:p>
             <a:pPr lvl="1"/>
@@ -23216,7 +23236,23 @@
           <a:p>
             <a:r>
               <a:rPr kumimoji="1" lang="en-US" altLang="zh-CN" dirty="0"/>
-              <a:t>One of the deepest ideas in CS</a:t>
+              <a:t>One of the oldest</a:t>
+            </a:r>
+            <a:r>
+              <a:rPr kumimoji="1" lang="zh-CN" altLang="en-US" dirty="0"/>
+              <a:t> </a:t>
+            </a:r>
+            <a:r>
+              <a:rPr kumimoji="1" lang="en-US" altLang="zh-CN" dirty="0"/>
+              <a:t>and</a:t>
+            </a:r>
+            <a:r>
+              <a:rPr kumimoji="1" lang="zh-CN" altLang="en-US" dirty="0"/>
+              <a:t> </a:t>
+            </a:r>
+            <a:r>
+              <a:rPr kumimoji="1" lang="en-US" altLang="zh-CN" dirty="0"/>
+              <a:t>deepest ideas in CS</a:t>
             </a:r>
           </a:p>
           <a:p>
@@ -26184,8 +26220,8 @@
           </p:sp>
         </mc:Fallback>
       </mc:AlternateContent>
-      <mc:AlternateContent xmlns:mc="http://schemas.openxmlformats.org/markup-compatibility/2006">
-        <mc:Choice xmlns:a14="http://schemas.microsoft.com/office/drawing/2010/main" Requires="a14">
+      <mc:AlternateContent xmlns:mc="http://schemas.openxmlformats.org/markup-compatibility/2006" xmlns:a14="http://schemas.microsoft.com/office/drawing/2010/main">
+        <mc:Choice Requires="a14">
           <p:sp>
             <p:nvSpPr>
               <p:cNvPr id="14" name="文本框 13">
@@ -26245,14 +26281,7 @@
                               <a:latin typeface="Cambria Math" panose="02040503050406030204" pitchFamily="18" charset="0"/>
                               <a:ea typeface="Cambria Math" panose="02040503050406030204" pitchFamily="18" charset="0"/>
                             </a:rPr>
-                            <m:t>∧</m:t>
-                          </m:r>
-                          <m:r>
-                            <a:rPr kumimoji="1" lang="en-US" altLang="zh-CN" i="1">
-                              <a:latin typeface="Cambria Math" panose="02040503050406030204" pitchFamily="18" charset="0"/>
-                              <a:ea typeface="Cambria Math" panose="02040503050406030204" pitchFamily="18" charset="0"/>
-                            </a:rPr>
-                            <m:t>¬</m:t>
+                            <m:t>∧¬</m:t>
                           </m:r>
                           <m:r>
                             <a:rPr kumimoji="1" lang="en-US" altLang="zh-CN" b="0" i="1" smtClean="0">
@@ -26334,7 +26363,7 @@
             </p:txBody>
           </p:sp>
         </mc:Choice>
-        <mc:Fallback>
+        <mc:Fallback xmlns="">
           <p:sp>
             <p:nvSpPr>
               <p:cNvPr id="14" name="文本框 13">
@@ -27459,8 +27488,8 @@
           </p:sp>
         </mc:Fallback>
       </mc:AlternateContent>
-      <mc:AlternateContent xmlns:mc="http://schemas.openxmlformats.org/markup-compatibility/2006">
-        <mc:Choice xmlns:a14="http://schemas.microsoft.com/office/drawing/2010/main" Requires="a14">
+      <mc:AlternateContent xmlns:mc="http://schemas.openxmlformats.org/markup-compatibility/2006" xmlns:a14="http://schemas.microsoft.com/office/drawing/2010/main">
+        <mc:Choice Requires="a14">
           <p:sp>
             <p:nvSpPr>
               <p:cNvPr id="14" name="文本框 13">
@@ -27620,14 +27649,7 @@
                           <a:latin typeface="Cambria Math" panose="02040503050406030204" pitchFamily="18" charset="0"/>
                           <a:ea typeface="Cambria Math" panose="02040503050406030204" pitchFamily="18" charset="0"/>
                         </a:rPr>
-                        <m:t>∧</m:t>
-                      </m:r>
-                      <m:r>
-                        <a:rPr kumimoji="1" lang="en-US" altLang="zh-CN" i="1">
-                          <a:latin typeface="Cambria Math" panose="02040503050406030204" pitchFamily="18" charset="0"/>
-                          <a:ea typeface="Cambria Math" panose="02040503050406030204" pitchFamily="18" charset="0"/>
-                        </a:rPr>
-                        <m:t>¬</m:t>
+                        <m:t>∧¬</m:t>
                       </m:r>
                       <m:r>
                         <a:rPr kumimoji="1" lang="en-US" altLang="zh-CN" b="0" i="1" smtClean="0">
@@ -27658,7 +27680,7 @@
             </p:txBody>
           </p:sp>
         </mc:Choice>
-        <mc:Fallback>
+        <mc:Fallback xmlns="">
           <p:sp>
             <p:nvSpPr>
               <p:cNvPr id="14" name="文本框 13">
@@ -29070,8 +29092,8 @@
           </a:fontRef>
         </p:style>
       </p:cxnSp>
-      <mc:AlternateContent xmlns:mc="http://schemas.openxmlformats.org/markup-compatibility/2006">
-        <mc:Choice xmlns:a14="http://schemas.microsoft.com/office/drawing/2010/main" Requires="a14">
+      <mc:AlternateContent xmlns:mc="http://schemas.openxmlformats.org/markup-compatibility/2006" xmlns:a14="http://schemas.microsoft.com/office/drawing/2010/main">
+        <mc:Choice Requires="a14">
           <p:sp>
             <p:nvSpPr>
               <p:cNvPr id="9" name="文本框 8">
@@ -29337,14 +29359,7 @@
                           <a:latin typeface="Cambria Math" panose="02040503050406030204" pitchFamily="18" charset="0"/>
                           <a:ea typeface="Cambria Math" panose="02040503050406030204" pitchFamily="18" charset="0"/>
                         </a:rPr>
-                        <m:t>)∧</m:t>
-                      </m:r>
-                      <m:r>
-                        <a:rPr kumimoji="1" lang="en-US" altLang="zh-CN" i="1">
-                          <a:latin typeface="Cambria Math" panose="02040503050406030204" pitchFamily="18" charset="0"/>
-                          <a:ea typeface="Cambria Math" panose="02040503050406030204" pitchFamily="18" charset="0"/>
-                        </a:rPr>
-                        <m:t>¬</m:t>
+                        <m:t>)∧¬</m:t>
                       </m:r>
                       <m:r>
                         <a:rPr kumimoji="1" lang="en-US" altLang="zh-CN" b="0" i="1" smtClean="0">
@@ -29389,7 +29404,7 @@
             </p:txBody>
           </p:sp>
         </mc:Choice>
-        <mc:Fallback>
+        <mc:Fallback xmlns="">
           <p:sp>
             <p:nvSpPr>
               <p:cNvPr id="9" name="文本框 8">
@@ -30794,7 +30809,15 @@
           <a:p>
             <a:r>
               <a:rPr kumimoji="1" lang="en-US" altLang="zh-CN" dirty="0"/>
-              <a:t>A bit of history</a:t>
+              <a:t>Brief</a:t>
+            </a:r>
+            <a:r>
+              <a:rPr kumimoji="1" lang="zh-CN" altLang="en-US" dirty="0"/>
+              <a:t> </a:t>
+            </a:r>
+            <a:r>
+              <a:rPr kumimoji="1" lang="en-US" altLang="zh-CN" dirty="0"/>
+              <a:t>history</a:t>
             </a:r>
             <a:endParaRPr kumimoji="1" lang="zh-CN" altLang="en-US" dirty="0"/>
           </a:p>
@@ -31070,7 +31093,15 @@
           <a:p>
             <a:r>
               <a:rPr kumimoji="1" lang="en-US" altLang="zh-CN" dirty="0"/>
-              <a:t>For the right program, how can we guarantee </a:t>
+              <a:t>For this</a:t>
+            </a:r>
+            <a:r>
+              <a:rPr kumimoji="1" lang="zh-CN" altLang="en-US" dirty="0"/>
+              <a:t> </a:t>
+            </a:r>
+            <a:r>
+              <a:rPr kumimoji="1" lang="en-US" altLang="zh-CN" dirty="0"/>
+              <a:t>program, how can we guarantee </a:t>
             </a:r>
             <a:r>
               <a:rPr kumimoji="1" lang="en-US" altLang="zh-CN" dirty="0">
@@ -31143,7 +31174,19 @@
             <a:pPr lvl="1"/>
             <a:r>
               <a:rPr kumimoji="1" lang="en-US" altLang="zh-CN" dirty="0"/>
-              <a:t>we cannot enumerate</a:t>
+              <a:t>we </a:t>
+            </a:r>
+            <a:r>
+              <a:rPr kumimoji="1" lang="en-US" altLang="zh-CN" dirty="0">
+                <a:solidFill>
+                  <a:srgbClr val="FF0000"/>
+                </a:solidFill>
+              </a:rPr>
+              <a:t>cannot</a:t>
+            </a:r>
+            <a:r>
+              <a:rPr kumimoji="1" lang="en-US" altLang="zh-CN" dirty="0"/>
+              <a:t> enumerate</a:t>
             </a:r>
             <a:r>
               <a:rPr kumimoji="1" lang="zh-CN" altLang="en-US" dirty="0"/>
@@ -31478,6 +31521,26 @@
               <a:buFont typeface="Wingdings" pitchFamily="2" charset="2"/>
               <a:buNone/>
             </a:pPr>
+            <a:r>
+              <a:rPr kumimoji="1" lang="en-US" altLang="zh-CN" sz="2000" b="1" kern="0" dirty="0">
+                <a:solidFill>
+                  <a:srgbClr val="0432FF"/>
+                </a:solidFill>
+                <a:latin typeface="Courier New" panose="02070309020205020404" pitchFamily="49" charset="0"/>
+                <a:cs typeface="Courier New" panose="02070309020205020404" pitchFamily="49" charset="0"/>
+              </a:rPr>
+              <a:t>def</a:t>
+            </a:r>
+            <a:r>
+              <a:rPr kumimoji="1" lang="zh-CN" altLang="en-US" sz="2000" b="1" kern="0" dirty="0">
+                <a:solidFill>
+                  <a:srgbClr val="0432FF"/>
+                </a:solidFill>
+                <a:latin typeface="Courier New" panose="02070309020205020404" pitchFamily="49" charset="0"/>
+                <a:cs typeface="Courier New" panose="02070309020205020404" pitchFamily="49" charset="0"/>
+              </a:rPr>
+              <a:t> </a:t>
+            </a:r>
             <a:r>
               <a:rPr kumimoji="1" lang="en-US" altLang="zh-CN" sz="2000" b="1" kern="0" dirty="0">
                 <a:solidFill>
@@ -32692,6 +32755,21 @@
               </a:rPr>
               <a:t>/</a:t>
             </a:r>
+          </a:p>
+          <a:p>
+            <a:pPr marL="0" indent="0">
+              <a:buNone/>
+            </a:pPr>
+            <a:r>
+              <a:rPr kumimoji="1" lang="en-US" altLang="zh-CN" sz="2000" b="1" dirty="0">
+                <a:solidFill>
+                  <a:srgbClr val="0432FF"/>
+                </a:solidFill>
+                <a:latin typeface="Courier New" panose="02070309020205020404" pitchFamily="49" charset="0"/>
+                <a:cs typeface="Courier New" panose="02070309020205020404" pitchFamily="49" charset="0"/>
+              </a:rPr>
+              <a:t>E</a:t>
+            </a:r>
             <a:r>
               <a:rPr kumimoji="1" lang="zh-CN" altLang="en-US" sz="2000" b="1" dirty="0">
                 <a:solidFill>
@@ -32710,7 +32788,7 @@
                 <a:latin typeface="Courier New" panose="02070309020205020404" pitchFamily="49" charset="0"/>
                 <a:cs typeface="Courier New" panose="02070309020205020404" pitchFamily="49" charset="0"/>
               </a:rPr>
-              <a:t>|</a:t>
+              <a:t>::=</a:t>
             </a:r>
             <a:r>
               <a:rPr kumimoji="1" lang="zh-CN" altLang="en-US" sz="2000" b="1" dirty="0">
@@ -32730,7 +32808,7 @@
                 <a:latin typeface="Courier New" panose="02070309020205020404" pitchFamily="49" charset="0"/>
                 <a:cs typeface="Courier New" panose="02070309020205020404" pitchFamily="49" charset="0"/>
               </a:rPr>
-              <a:t>==</a:t>
+              <a:t>n</a:t>
             </a:r>
             <a:r>
               <a:rPr kumimoji="1" lang="zh-CN" altLang="en-US" sz="2000" b="1" dirty="0">
@@ -32770,7 +32848,7 @@
                 <a:latin typeface="Courier New" panose="02070309020205020404" pitchFamily="49" charset="0"/>
                 <a:cs typeface="Courier New" panose="02070309020205020404" pitchFamily="49" charset="0"/>
               </a:rPr>
-              <a:t>!=</a:t>
+              <a:t>x</a:t>
             </a:r>
             <a:r>
               <a:rPr kumimoji="1" lang="zh-CN" altLang="en-US" sz="2000" b="1" dirty="0">
@@ -32810,7 +32888,7 @@
                 <a:latin typeface="Courier New" panose="02070309020205020404" pitchFamily="49" charset="0"/>
                 <a:cs typeface="Courier New" panose="02070309020205020404" pitchFamily="49" charset="0"/>
               </a:rPr>
-              <a:t>&gt;</a:t>
+              <a:t>E</a:t>
             </a:r>
             <a:r>
               <a:rPr kumimoji="1" lang="zh-CN" altLang="en-US" sz="2000" b="1" dirty="0">
@@ -32830,7 +32908,7 @@
                 <a:latin typeface="Courier New" panose="02070309020205020404" pitchFamily="49" charset="0"/>
                 <a:cs typeface="Courier New" panose="02070309020205020404" pitchFamily="49" charset="0"/>
               </a:rPr>
-              <a:t>|</a:t>
+              <a:t>O</a:t>
             </a:r>
             <a:r>
               <a:rPr kumimoji="1" lang="zh-CN" altLang="en-US" sz="2000" b="1" dirty="0">
@@ -32850,7 +32928,22 @@
                 <a:latin typeface="Courier New" panose="02070309020205020404" pitchFamily="49" charset="0"/>
                 <a:cs typeface="Courier New" panose="02070309020205020404" pitchFamily="49" charset="0"/>
               </a:rPr>
-              <a:t>&lt;</a:t>
+              <a:t>E</a:t>
+            </a:r>
+          </a:p>
+          <a:p>
+            <a:pPr marL="0" indent="0">
+              <a:buNone/>
+            </a:pPr>
+            <a:r>
+              <a:rPr kumimoji="1" lang="en-US" altLang="zh-CN" sz="2000" b="1" dirty="0">
+                <a:solidFill>
+                  <a:srgbClr val="0432FF"/>
+                </a:solidFill>
+                <a:latin typeface="Courier New" panose="02070309020205020404" pitchFamily="49" charset="0"/>
+                <a:cs typeface="Courier New" panose="02070309020205020404" pitchFamily="49" charset="0"/>
+              </a:rPr>
+              <a:t>B</a:t>
             </a:r>
             <a:r>
               <a:rPr kumimoji="1" lang="zh-CN" altLang="en-US" sz="2000" b="1" dirty="0">
@@ -32870,7 +32963,7 @@
                 <a:latin typeface="Courier New" panose="02070309020205020404" pitchFamily="49" charset="0"/>
                 <a:cs typeface="Courier New" panose="02070309020205020404" pitchFamily="49" charset="0"/>
               </a:rPr>
-              <a:t>|</a:t>
+              <a:t>::=</a:t>
             </a:r>
             <a:r>
               <a:rPr kumimoji="1" lang="zh-CN" altLang="en-US" sz="2000" b="1" dirty="0">
@@ -32890,7 +32983,7 @@
                 <a:latin typeface="Courier New" panose="02070309020205020404" pitchFamily="49" charset="0"/>
                 <a:cs typeface="Courier New" panose="02070309020205020404" pitchFamily="49" charset="0"/>
               </a:rPr>
-              <a:t>&gt;=</a:t>
+              <a:t>E==E</a:t>
             </a:r>
             <a:r>
               <a:rPr kumimoji="1" lang="zh-CN" altLang="en-US" sz="2000" b="1" dirty="0">
@@ -32930,22 +33023,7 @@
                 <a:latin typeface="Courier New" panose="02070309020205020404" pitchFamily="49" charset="0"/>
                 <a:cs typeface="Courier New" panose="02070309020205020404" pitchFamily="49" charset="0"/>
               </a:rPr>
-              <a:t>&lt;=</a:t>
-            </a:r>
-          </a:p>
-          <a:p>
-            <a:pPr marL="0" indent="0">
-              <a:buNone/>
-            </a:pPr>
-            <a:r>
-              <a:rPr kumimoji="1" lang="en-US" altLang="zh-CN" sz="2000" b="1" dirty="0">
-                <a:solidFill>
-                  <a:srgbClr val="0432FF"/>
-                </a:solidFill>
-                <a:latin typeface="Courier New" panose="02070309020205020404" pitchFamily="49" charset="0"/>
-                <a:cs typeface="Courier New" panose="02070309020205020404" pitchFamily="49" charset="0"/>
-              </a:rPr>
-              <a:t>E</a:t>
+              <a:t>E!=E</a:t>
             </a:r>
             <a:r>
               <a:rPr kumimoji="1" lang="zh-CN" altLang="en-US" sz="2000" b="1" dirty="0">
@@ -32965,7 +33043,7 @@
                 <a:latin typeface="Courier New" panose="02070309020205020404" pitchFamily="49" charset="0"/>
                 <a:cs typeface="Courier New" panose="02070309020205020404" pitchFamily="49" charset="0"/>
               </a:rPr>
-              <a:t>::=</a:t>
+              <a:t>|</a:t>
             </a:r>
             <a:r>
               <a:rPr kumimoji="1" lang="zh-CN" altLang="en-US" sz="2000" b="1" dirty="0">
@@ -32985,7 +33063,7 @@
                 <a:latin typeface="Courier New" panose="02070309020205020404" pitchFamily="49" charset="0"/>
                 <a:cs typeface="Courier New" panose="02070309020205020404" pitchFamily="49" charset="0"/>
               </a:rPr>
-              <a:t>n</a:t>
+              <a:t>B&amp;&amp;B</a:t>
             </a:r>
             <a:r>
               <a:rPr kumimoji="1" lang="zh-CN" altLang="en-US" sz="2000" b="1" dirty="0">
@@ -33025,7 +33103,7 @@
                 <a:latin typeface="Courier New" panose="02070309020205020404" pitchFamily="49" charset="0"/>
                 <a:cs typeface="Courier New" panose="02070309020205020404" pitchFamily="49" charset="0"/>
               </a:rPr>
-              <a:t>x</a:t>
+              <a:t>B||B</a:t>
             </a:r>
             <a:r>
               <a:rPr kumimoji="1" lang="zh-CN" altLang="en-US" sz="2000" b="1" dirty="0">
@@ -33065,7 +33143,22 @@
                 <a:latin typeface="Courier New" panose="02070309020205020404" pitchFamily="49" charset="0"/>
                 <a:cs typeface="Courier New" panose="02070309020205020404" pitchFamily="49" charset="0"/>
               </a:rPr>
-              <a:t>E</a:t>
+              <a:t>!B</a:t>
+            </a:r>
+          </a:p>
+          <a:p>
+            <a:pPr marL="0" indent="0">
+              <a:buNone/>
+            </a:pPr>
+            <a:r>
+              <a:rPr kumimoji="1" lang="en-US" altLang="zh-CN" sz="2000" b="1" dirty="0">
+                <a:solidFill>
+                  <a:srgbClr val="0432FF"/>
+                </a:solidFill>
+                <a:latin typeface="Courier New" panose="02070309020205020404" pitchFamily="49" charset="0"/>
+                <a:cs typeface="Courier New" panose="02070309020205020404" pitchFamily="49" charset="0"/>
+              </a:rPr>
+              <a:t>S</a:t>
             </a:r>
             <a:r>
               <a:rPr kumimoji="1" lang="zh-CN" altLang="en-US" sz="2000" b="1" dirty="0">
@@ -33085,7 +33178,7 @@
                 <a:latin typeface="Courier New" panose="02070309020205020404" pitchFamily="49" charset="0"/>
                 <a:cs typeface="Courier New" panose="02070309020205020404" pitchFamily="49" charset="0"/>
               </a:rPr>
-              <a:t>O</a:t>
+              <a:t>::=</a:t>
             </a:r>
             <a:r>
               <a:rPr kumimoji="1" lang="zh-CN" altLang="en-US" sz="2000" b="1" dirty="0">
@@ -33105,62 +33198,7 @@
                 <a:latin typeface="Courier New" panose="02070309020205020404" pitchFamily="49" charset="0"/>
                 <a:cs typeface="Courier New" panose="02070309020205020404" pitchFamily="49" charset="0"/>
               </a:rPr>
-              <a:t>E</a:t>
-            </a:r>
-          </a:p>
-          <a:p>
-            <a:pPr marL="0" indent="0">
-              <a:buNone/>
-            </a:pPr>
-            <a:r>
-              <a:rPr kumimoji="1" lang="en-US" altLang="zh-CN" sz="2000" b="1" dirty="0">
-                <a:solidFill>
-                  <a:srgbClr val="0432FF"/>
-                </a:solidFill>
-                <a:latin typeface="Courier New" panose="02070309020205020404" pitchFamily="49" charset="0"/>
-                <a:cs typeface="Courier New" panose="02070309020205020404" pitchFamily="49" charset="0"/>
-              </a:rPr>
-              <a:t>S</a:t>
-            </a:r>
-            <a:r>
-              <a:rPr kumimoji="1" lang="zh-CN" altLang="en-US" sz="2000" b="1" dirty="0">
-                <a:solidFill>
-                  <a:srgbClr val="0432FF"/>
-                </a:solidFill>
-                <a:latin typeface="Courier New" panose="02070309020205020404" pitchFamily="49" charset="0"/>
-                <a:cs typeface="Courier New" panose="02070309020205020404" pitchFamily="49" charset="0"/>
-              </a:rPr>
-              <a:t> </a:t>
-            </a:r>
-            <a:r>
-              <a:rPr kumimoji="1" lang="en-US" altLang="zh-CN" sz="2000" b="1" dirty="0">
-                <a:solidFill>
-                  <a:srgbClr val="0432FF"/>
-                </a:solidFill>
-                <a:latin typeface="Courier New" panose="02070309020205020404" pitchFamily="49" charset="0"/>
-                <a:cs typeface="Courier New" panose="02070309020205020404" pitchFamily="49" charset="0"/>
-              </a:rPr>
-              <a:t>::=</a:t>
-            </a:r>
-            <a:r>
-              <a:rPr kumimoji="1" lang="zh-CN" altLang="en-US" sz="2000" b="1" dirty="0">
-                <a:solidFill>
-                  <a:srgbClr val="0432FF"/>
-                </a:solidFill>
-                <a:latin typeface="Courier New" panose="02070309020205020404" pitchFamily="49" charset="0"/>
-                <a:cs typeface="Courier New" panose="02070309020205020404" pitchFamily="49" charset="0"/>
-              </a:rPr>
-              <a:t> </a:t>
-            </a:r>
-            <a:r>
-              <a:rPr kumimoji="1" lang="en-US" altLang="zh-CN" sz="2000" b="1" dirty="0">
-                <a:solidFill>
-                  <a:srgbClr val="0432FF"/>
-                </a:solidFill>
-                <a:latin typeface="Courier New" panose="02070309020205020404" pitchFamily="49" charset="0"/>
-                <a:cs typeface="Courier New" panose="02070309020205020404" pitchFamily="49" charset="0"/>
-              </a:rPr>
-              <a:t>pass</a:t>
+              <a:t>skip</a:t>
             </a:r>
             <a:r>
               <a:rPr kumimoji="1" lang="zh-CN" altLang="en-US" sz="2000" b="1" dirty="0">
@@ -33329,102 +33367,7 @@
                 <a:latin typeface="Courier New" panose="02070309020205020404" pitchFamily="49" charset="0"/>
                 <a:cs typeface="Courier New" panose="02070309020205020404" pitchFamily="49" charset="0"/>
               </a:rPr>
-              <a:t>f(E1,</a:t>
-            </a:r>
-            <a:r>
-              <a:rPr kumimoji="1" lang="zh-CN" altLang="en-US" sz="2000" b="1" dirty="0">
-                <a:solidFill>
-                  <a:srgbClr val="0432FF"/>
-                </a:solidFill>
-                <a:latin typeface="Courier New" panose="02070309020205020404" pitchFamily="49" charset="0"/>
-                <a:cs typeface="Courier New" panose="02070309020205020404" pitchFamily="49" charset="0"/>
-              </a:rPr>
-              <a:t> </a:t>
-            </a:r>
-            <a:r>
-              <a:rPr kumimoji="1" lang="en-US" altLang="zh-CN" sz="2000" b="1" dirty="0">
-                <a:solidFill>
-                  <a:srgbClr val="0432FF"/>
-                </a:solidFill>
-                <a:latin typeface="Courier New" panose="02070309020205020404" pitchFamily="49" charset="0"/>
-                <a:cs typeface="Courier New" panose="02070309020205020404" pitchFamily="49" charset="0"/>
-              </a:rPr>
-              <a:t>…,</a:t>
-            </a:r>
-            <a:r>
-              <a:rPr kumimoji="1" lang="zh-CN" altLang="en-US" sz="2000" b="1" dirty="0">
-                <a:solidFill>
-                  <a:srgbClr val="0432FF"/>
-                </a:solidFill>
-                <a:latin typeface="Courier New" panose="02070309020205020404" pitchFamily="49" charset="0"/>
-                <a:cs typeface="Courier New" panose="02070309020205020404" pitchFamily="49" charset="0"/>
-              </a:rPr>
-              <a:t> </a:t>
-            </a:r>
-            <a:r>
-              <a:rPr kumimoji="1" lang="en-US" altLang="zh-CN" sz="2000" b="1" dirty="0" err="1">
-                <a:solidFill>
-                  <a:srgbClr val="0432FF"/>
-                </a:solidFill>
-                <a:latin typeface="Courier New" panose="02070309020205020404" pitchFamily="49" charset="0"/>
-                <a:cs typeface="Courier New" panose="02070309020205020404" pitchFamily="49" charset="0"/>
-              </a:rPr>
-              <a:t>En</a:t>
-            </a:r>
-            <a:r>
-              <a:rPr kumimoji="1" lang="en-US" altLang="zh-CN" sz="2000" b="1" dirty="0">
-                <a:solidFill>
-                  <a:srgbClr val="0432FF"/>
-                </a:solidFill>
-                <a:latin typeface="Courier New" panose="02070309020205020404" pitchFamily="49" charset="0"/>
-                <a:cs typeface="Courier New" panose="02070309020205020404" pitchFamily="49" charset="0"/>
-              </a:rPr>
-              <a:t>)</a:t>
-            </a:r>
-          </a:p>
-          <a:p>
-            <a:pPr marL="0" indent="0">
-              <a:buNone/>
-            </a:pPr>
-            <a:r>
-              <a:rPr kumimoji="1" lang="zh-CN" altLang="en-US" sz="2000" b="1" dirty="0">
-                <a:solidFill>
-                  <a:srgbClr val="0432FF"/>
-                </a:solidFill>
-                <a:latin typeface="Courier New" panose="02070309020205020404" pitchFamily="49" charset="0"/>
-                <a:cs typeface="Courier New" panose="02070309020205020404" pitchFamily="49" charset="0"/>
-              </a:rPr>
-              <a:t>    </a:t>
-            </a:r>
-            <a:r>
-              <a:rPr kumimoji="1" lang="en-US" altLang="zh-CN" sz="2000" b="1" dirty="0">
-                <a:solidFill>
-                  <a:srgbClr val="0432FF"/>
-                </a:solidFill>
-                <a:latin typeface="Courier New" panose="02070309020205020404" pitchFamily="49" charset="0"/>
-                <a:cs typeface="Courier New" panose="02070309020205020404" pitchFamily="49" charset="0"/>
-              </a:rPr>
-              <a:t>|</a:t>
-            </a:r>
-            <a:r>
-              <a:rPr kumimoji="1" lang="zh-CN" altLang="en-US" sz="2000" b="1" dirty="0">
-                <a:solidFill>
-                  <a:srgbClr val="0432FF"/>
-                </a:solidFill>
-                <a:latin typeface="Courier New" panose="02070309020205020404" pitchFamily="49" charset="0"/>
-                <a:cs typeface="Courier New" panose="02070309020205020404" pitchFamily="49" charset="0"/>
-              </a:rPr>
-              <a:t> </a:t>
-            </a:r>
-            <a:r>
-              <a:rPr kumimoji="1" lang="en-US" altLang="zh-CN" sz="2000" b="1" dirty="0">
-                <a:solidFill>
-                  <a:srgbClr val="0432FF"/>
-                </a:solidFill>
-                <a:latin typeface="Courier New" panose="02070309020205020404" pitchFamily="49" charset="0"/>
-                <a:cs typeface="Courier New" panose="02070309020205020404" pitchFamily="49" charset="0"/>
-              </a:rPr>
-              <a:t>if(E,</a:t>
+              <a:t>if(B,</a:t>
             </a:r>
             <a:r>
               <a:rPr kumimoji="1" lang="zh-CN" altLang="en-US" sz="2000" b="1" dirty="0">
@@ -33526,7 +33469,7 @@
                 <a:latin typeface="Courier New" panose="02070309020205020404" pitchFamily="49" charset="0"/>
                 <a:cs typeface="Courier New" panose="02070309020205020404" pitchFamily="49" charset="0"/>
               </a:rPr>
-              <a:t>while(E,</a:t>
+              <a:t>while(B,</a:t>
             </a:r>
             <a:r>
               <a:rPr kumimoji="1" lang="zh-CN" altLang="en-US" sz="2000" b="1" dirty="0">
@@ -34125,8 +34068,8 @@
           </a:p>
         </p:txBody>
       </p:sp>
-      <mc:AlternateContent xmlns:mc="http://schemas.openxmlformats.org/markup-compatibility/2006">
-        <mc:Choice xmlns:a14="http://schemas.microsoft.com/office/drawing/2010/main" Requires="a14">
+      <mc:AlternateContent xmlns:mc="http://schemas.openxmlformats.org/markup-compatibility/2006" xmlns:a14="http://schemas.microsoft.com/office/drawing/2010/main">
+        <mc:Choice Requires="a14">
           <p:sp>
             <p:nvSpPr>
               <p:cNvPr id="3" name="内容占位符 2">
@@ -34365,7 +34308,7 @@
             </p:txBody>
           </p:sp>
         </mc:Choice>
-        <mc:Fallback>
+        <mc:Fallback xmlns="">
           <p:sp>
             <p:nvSpPr>
               <p:cNvPr id="3" name="内容占位符 2">
